--- a/FRC/2018/Nettables.pptx
+++ b/FRC/2018/Nettables.pptx
@@ -13079,7 +13079,9 @@
         </p:nvSpPr>
         <p:spPr/>
         <p:txBody>
-          <a:bodyPr/>
+          <a:bodyPr>
+            <a:normAutofit fontScale="92500" lnSpcReduction="10000"/>
+          </a:bodyPr>
           <a:lstStyle/>
           <a:p>
             <a:r>
@@ -13115,9 +13117,30 @@
           </a:p>
           <a:p>
             <a:r>
+              <a:rPr lang="en-US" dirty="0">
+                <a:hlinkClick r:id="rId3"/>
+              </a:rPr>
+              <a:t>https://github.com/JimWright4089/FIRSTWorkshops/tree/master/FRC/2018/NetworkTables</a:t>
+            </a:r>
+            <a:endParaRPr lang="en-US" dirty="0"/>
+          </a:p>
+          <a:p>
+            <a:endParaRPr lang="en-US" dirty="0"/>
+          </a:p>
+          <a:p>
+            <a:r>
               <a:rPr lang="en-US" dirty="0"/>
-              <a:t>https://github.com/JimWright4089/FIRSTWorkshops/tree/master/FRC/2018/NetworkTables</a:t>
-            </a:r>
+              <a:t>Code:</a:t>
+            </a:r>
+          </a:p>
+          <a:p>
+            <a:r>
+              <a:rPr lang="en-US" dirty="0"/>
+              <a:t>https://github.com/JimWright4089/FIRSTWorkshops/tree/master/FRC/2018/Potentiometer%20PID</a:t>
+            </a:r>
+          </a:p>
+          <a:p>
+            <a:endParaRPr lang="en-US" dirty="0"/>
           </a:p>
         </p:txBody>
       </p:sp>
